--- a/amiq/img/play_step.pptx
+++ b/amiq/img/play_step.pptx
@@ -7,6 +7,7 @@
   <p:sldIdLst>
     <p:sldId id="257" r:id="rId2"/>
     <p:sldId id="258" r:id="rId3"/>
+    <p:sldId id="259" r:id="rId4"/>
   </p:sldIdLst>
   <p:sldSz cx="12192000" cy="6858000"/>
   <p:notesSz cx="6858000" cy="9144000"/>
@@ -4256,15 +4257,7 @@
                   <a:schemeClr val="bg1"/>
                 </a:solidFill>
               </a:rPr>
-              <a:t>題</a:t>
-            </a:r>
-            <a:r>
-              <a:rPr lang="zh-TW" altLang="en-US" sz="1100" b="1" dirty="0" smtClean="0">
-                <a:solidFill>
-                  <a:schemeClr val="bg1"/>
-                </a:solidFill>
-              </a:rPr>
-              <a:t>目</a:t>
+              <a:t>題目</a:t>
             </a:r>
             <a:endParaRPr lang="en-US" sz="1100" b="1" dirty="0">
               <a:solidFill>
@@ -5824,6 +5817,2213 @@
     <p:extLst>
       <p:ext uri="{BB962C8B-B14F-4D97-AF65-F5344CB8AC3E}">
         <p14:creationId xmlns:p14="http://schemas.microsoft.com/office/powerpoint/2010/main" val="1617845947"/>
+      </p:ext>
+    </p:extLst>
+  </p:cSld>
+  <p:clrMapOvr>
+    <a:masterClrMapping/>
+  </p:clrMapOvr>
+</p:sld>
+</file>
+
+<file path=ppt/slides/slide3.xml><?xml version="1.0" encoding="utf-8"?>
+<p:sld xmlns:a="http://schemas.openxmlformats.org/drawingml/2006/main" xmlns:r="http://schemas.openxmlformats.org/officeDocument/2006/relationships" xmlns:p="http://schemas.openxmlformats.org/presentationml/2006/main">
+  <p:cSld>
+    <p:spTree>
+      <p:nvGrpSpPr>
+        <p:cNvPr id="1" name=""/>
+        <p:cNvGrpSpPr/>
+        <p:nvPr/>
+      </p:nvGrpSpPr>
+      <p:grpSpPr>
+        <a:xfrm>
+          <a:off x="0" y="0"/>
+          <a:ext cx="0" cy="0"/>
+          <a:chOff x="0" y="0"/>
+          <a:chExt cx="0" cy="0"/>
+        </a:xfrm>
+      </p:grpSpPr>
+      <p:sp>
+        <p:nvSpPr>
+          <p:cNvPr id="21" name="Rectangle 20"/>
+          <p:cNvSpPr/>
+          <p:nvPr/>
+        </p:nvSpPr>
+        <p:spPr>
+          <a:xfrm>
+            <a:off x="-1937204" y="2033066"/>
+            <a:ext cx="14075617" cy="5536977"/>
+          </a:xfrm>
+          <a:prstGeom prst="rect">
+            <a:avLst/>
+          </a:prstGeom>
+          <a:solidFill>
+            <a:schemeClr val="bg1"/>
+          </a:solidFill>
+          <a:ln>
+            <a:noFill/>
+          </a:ln>
+        </p:spPr>
+        <p:style>
+          <a:lnRef idx="2">
+            <a:schemeClr val="accent1">
+              <a:shade val="50000"/>
+            </a:schemeClr>
+          </a:lnRef>
+          <a:fillRef idx="1">
+            <a:schemeClr val="accent1"/>
+          </a:fillRef>
+          <a:effectRef idx="0">
+            <a:schemeClr val="accent1"/>
+          </a:effectRef>
+          <a:fontRef idx="minor">
+            <a:schemeClr val="lt1"/>
+          </a:fontRef>
+        </p:style>
+        <p:txBody>
+          <a:bodyPr rtlCol="0" anchor="ctr"/>
+          <a:lstStyle/>
+          <a:p>
+            <a:pPr algn="ctr"/>
+            <a:endParaRPr lang="en-US"/>
+          </a:p>
+        </p:txBody>
+      </p:sp>
+      <p:pic>
+        <p:nvPicPr>
+          <p:cNvPr id="58" name="Picture 57"/>
+          <p:cNvPicPr>
+            <a:picLocks noChangeAspect="1"/>
+          </p:cNvPicPr>
+          <p:nvPr/>
+        </p:nvPicPr>
+        <p:blipFill rotWithShape="1">
+          <a:blip r:embed="rId2">
+            <a:extLst>
+              <a:ext uri="{28A0092B-C50C-407E-A947-70E740481C1C}">
+                <a14:useLocalDpi xmlns:a14="http://schemas.microsoft.com/office/drawing/2010/main" val="0"/>
+              </a:ext>
+            </a:extLst>
+          </a:blip>
+          <a:srcRect t="66511" r="79743"/>
+          <a:stretch/>
+        </p:blipFill>
+        <p:spPr>
+          <a:xfrm>
+            <a:off x="274530" y="4547489"/>
+            <a:ext cx="2307446" cy="977646"/>
+          </a:xfrm>
+          <a:prstGeom prst="rect">
+            <a:avLst/>
+          </a:prstGeom>
+        </p:spPr>
+      </p:pic>
+      <p:grpSp>
+        <p:nvGrpSpPr>
+          <p:cNvPr id="18" name="Group 17"/>
+          <p:cNvGrpSpPr/>
+          <p:nvPr/>
+        </p:nvGrpSpPr>
+        <p:grpSpPr>
+          <a:xfrm>
+            <a:off x="-1923460" y="2362783"/>
+            <a:ext cx="2036050" cy="2123609"/>
+            <a:chOff x="2381161" y="2231077"/>
+            <a:chExt cx="2036050" cy="2123609"/>
+          </a:xfrm>
+        </p:grpSpPr>
+        <p:sp>
+          <p:nvSpPr>
+            <p:cNvPr id="15" name="Rectangle 14"/>
+            <p:cNvSpPr/>
+            <p:nvPr/>
+          </p:nvSpPr>
+          <p:spPr>
+            <a:xfrm>
+              <a:off x="2381161" y="2231077"/>
+              <a:ext cx="2036050" cy="2123609"/>
+            </a:xfrm>
+            <a:prstGeom prst="rect">
+              <a:avLst/>
+            </a:prstGeom>
+            <a:solidFill>
+              <a:schemeClr val="bg1"/>
+            </a:solidFill>
+            <a:ln w="12700">
+              <a:solidFill>
+                <a:schemeClr val="bg1">
+                  <a:lumMod val="75000"/>
+                </a:schemeClr>
+              </a:solidFill>
+            </a:ln>
+          </p:spPr>
+          <p:style>
+            <a:lnRef idx="2">
+              <a:schemeClr val="accent1">
+                <a:shade val="50000"/>
+              </a:schemeClr>
+            </a:lnRef>
+            <a:fillRef idx="1">
+              <a:schemeClr val="accent1"/>
+            </a:fillRef>
+            <a:effectRef idx="0">
+              <a:schemeClr val="accent1"/>
+            </a:effectRef>
+            <a:fontRef idx="minor">
+              <a:schemeClr val="lt1"/>
+            </a:fontRef>
+          </p:style>
+          <p:txBody>
+            <a:bodyPr rtlCol="0" anchor="ctr"/>
+            <a:lstStyle/>
+            <a:p>
+              <a:pPr algn="ctr"/>
+              <a:endParaRPr lang="en-US"/>
+            </a:p>
+          </p:txBody>
+        </p:sp>
+        <p:pic>
+          <p:nvPicPr>
+            <p:cNvPr id="14" name="Picture 13"/>
+            <p:cNvPicPr>
+              <a:picLocks noChangeAspect="1"/>
+            </p:cNvPicPr>
+            <p:nvPr/>
+          </p:nvPicPr>
+          <p:blipFill rotWithShape="1">
+            <a:blip r:embed="rId3" cstate="print">
+              <a:extLst>
+                <a:ext uri="{28A0092B-C50C-407E-A947-70E740481C1C}">
+                  <a14:useLocalDpi xmlns:a14="http://schemas.microsoft.com/office/drawing/2010/main" val="0"/>
+                </a:ext>
+              </a:extLst>
+            </a:blip>
+            <a:srcRect l="810" t="1554" r="850" b="24090"/>
+            <a:stretch/>
+          </p:blipFill>
+          <p:spPr>
+            <a:xfrm rot="10800000">
+              <a:off x="2418143" y="2246404"/>
+              <a:ext cx="1965408" cy="2104306"/>
+            </a:xfrm>
+            <a:prstGeom prst="rect">
+              <a:avLst/>
+            </a:prstGeom>
+          </p:spPr>
+        </p:pic>
+      </p:grpSp>
+      <p:sp>
+        <p:nvSpPr>
+          <p:cNvPr id="19" name="Rectangle 18"/>
+          <p:cNvSpPr/>
+          <p:nvPr/>
+        </p:nvSpPr>
+        <p:spPr>
+          <a:xfrm>
+            <a:off x="-1919126" y="2192525"/>
+            <a:ext cx="1281872" cy="431046"/>
+          </a:xfrm>
+          <a:prstGeom prst="rect">
+            <a:avLst/>
+          </a:prstGeom>
+          <a:noFill/>
+          <a:ln w="25400">
+            <a:solidFill>
+              <a:schemeClr val="accent2">
+                <a:lumMod val="75000"/>
+              </a:schemeClr>
+            </a:solidFill>
+          </a:ln>
+        </p:spPr>
+        <p:style>
+          <a:lnRef idx="2">
+            <a:schemeClr val="accent1">
+              <a:shade val="50000"/>
+            </a:schemeClr>
+          </a:lnRef>
+          <a:fillRef idx="1">
+            <a:schemeClr val="accent1"/>
+          </a:fillRef>
+          <a:effectRef idx="0">
+            <a:schemeClr val="accent1"/>
+          </a:effectRef>
+          <a:fontRef idx="minor">
+            <a:schemeClr val="lt1"/>
+          </a:fontRef>
+        </p:style>
+        <p:txBody>
+          <a:bodyPr rtlCol="0" anchor="ctr"/>
+          <a:lstStyle/>
+          <a:p>
+            <a:pPr algn="ctr"/>
+            <a:endParaRPr lang="en-US"/>
+          </a:p>
+        </p:txBody>
+      </p:sp>
+      <p:sp>
+        <p:nvSpPr>
+          <p:cNvPr id="22" name="TextBox 21"/>
+          <p:cNvSpPr txBox="1"/>
+          <p:nvPr/>
+        </p:nvSpPr>
+        <p:spPr>
+          <a:xfrm>
+            <a:off x="-1929759" y="2196858"/>
+            <a:ext cx="1292505" cy="170617"/>
+          </a:xfrm>
+          <a:prstGeom prst="rect">
+            <a:avLst/>
+          </a:prstGeom>
+          <a:solidFill>
+            <a:schemeClr val="accent2">
+              <a:lumMod val="75000"/>
+            </a:schemeClr>
+          </a:solidFill>
+        </p:spPr>
+        <p:txBody>
+          <a:bodyPr wrap="square" lIns="36000" tIns="0" rIns="36000" bIns="0" rtlCol="0">
+            <a:spAutoFit/>
+          </a:bodyPr>
+          <a:lstStyle/>
+          <a:p>
+            <a:pPr algn="ctr"/>
+            <a:r>
+              <a:rPr lang="zh-TW" altLang="en-US" sz="1100" b="1" dirty="0" smtClean="0">
+                <a:solidFill>
+                  <a:schemeClr val="bg1"/>
+                </a:solidFill>
+              </a:rPr>
+              <a:t>題目描述</a:t>
+            </a:r>
+            <a:endParaRPr lang="en-US" sz="1100" b="1" dirty="0">
+              <a:solidFill>
+                <a:schemeClr val="bg1"/>
+              </a:solidFill>
+            </a:endParaRPr>
+          </a:p>
+        </p:txBody>
+      </p:sp>
+      <p:sp>
+        <p:nvSpPr>
+          <p:cNvPr id="23" name="Rectangle 22"/>
+          <p:cNvSpPr/>
+          <p:nvPr/>
+        </p:nvSpPr>
+        <p:spPr>
+          <a:xfrm>
+            <a:off x="-1919126" y="3295871"/>
+            <a:ext cx="809612" cy="431046"/>
+          </a:xfrm>
+          <a:prstGeom prst="rect">
+            <a:avLst/>
+          </a:prstGeom>
+          <a:noFill/>
+          <a:ln w="25400">
+            <a:solidFill>
+              <a:schemeClr val="accent2">
+                <a:lumMod val="75000"/>
+              </a:schemeClr>
+            </a:solidFill>
+          </a:ln>
+        </p:spPr>
+        <p:style>
+          <a:lnRef idx="2">
+            <a:schemeClr val="accent1">
+              <a:shade val="50000"/>
+            </a:schemeClr>
+          </a:lnRef>
+          <a:fillRef idx="1">
+            <a:schemeClr val="accent1"/>
+          </a:fillRef>
+          <a:effectRef idx="0">
+            <a:schemeClr val="accent1"/>
+          </a:effectRef>
+          <a:fontRef idx="minor">
+            <a:schemeClr val="lt1"/>
+          </a:fontRef>
+        </p:style>
+        <p:txBody>
+          <a:bodyPr rtlCol="0" anchor="ctr"/>
+          <a:lstStyle/>
+          <a:p>
+            <a:pPr algn="ctr"/>
+            <a:endParaRPr lang="en-US"/>
+          </a:p>
+        </p:txBody>
+      </p:sp>
+      <p:sp>
+        <p:nvSpPr>
+          <p:cNvPr id="24" name="TextBox 23"/>
+          <p:cNvSpPr txBox="1"/>
+          <p:nvPr/>
+        </p:nvSpPr>
+        <p:spPr>
+          <a:xfrm>
+            <a:off x="-1929759" y="3295870"/>
+            <a:ext cx="820245" cy="170617"/>
+          </a:xfrm>
+          <a:prstGeom prst="rect">
+            <a:avLst/>
+          </a:prstGeom>
+          <a:solidFill>
+            <a:schemeClr val="accent2">
+              <a:lumMod val="75000"/>
+            </a:schemeClr>
+          </a:solidFill>
+        </p:spPr>
+        <p:txBody>
+          <a:bodyPr wrap="square" lIns="36000" tIns="0" rIns="36000" bIns="0" rtlCol="0">
+            <a:spAutoFit/>
+          </a:bodyPr>
+          <a:lstStyle/>
+          <a:p>
+            <a:pPr algn="ctr"/>
+            <a:r>
+              <a:rPr lang="zh-TW" altLang="en-US" sz="1100" b="1" dirty="0">
+                <a:solidFill>
+                  <a:schemeClr val="bg1"/>
+                </a:solidFill>
+              </a:rPr>
+              <a:t>答</a:t>
+            </a:r>
+            <a:r>
+              <a:rPr lang="zh-TW" altLang="en-US" sz="1100" b="1" dirty="0" smtClean="0">
+                <a:solidFill>
+                  <a:schemeClr val="bg1"/>
+                </a:solidFill>
+              </a:rPr>
+              <a:t>案範例</a:t>
+            </a:r>
+            <a:endParaRPr lang="en-US" sz="1100" b="1" dirty="0">
+              <a:solidFill>
+                <a:schemeClr val="bg1"/>
+              </a:solidFill>
+            </a:endParaRPr>
+          </a:p>
+        </p:txBody>
+      </p:sp>
+      <p:grpSp>
+        <p:nvGrpSpPr>
+          <p:cNvPr id="25" name="Group 24"/>
+          <p:cNvGrpSpPr/>
+          <p:nvPr/>
+        </p:nvGrpSpPr>
+        <p:grpSpPr>
+          <a:xfrm>
+            <a:off x="519695" y="2362783"/>
+            <a:ext cx="2036050" cy="2123609"/>
+            <a:chOff x="2381161" y="2231077"/>
+            <a:chExt cx="2036050" cy="2123609"/>
+          </a:xfrm>
+        </p:grpSpPr>
+        <p:sp>
+          <p:nvSpPr>
+            <p:cNvPr id="26" name="Rectangle 25"/>
+            <p:cNvSpPr/>
+            <p:nvPr/>
+          </p:nvSpPr>
+          <p:spPr>
+            <a:xfrm>
+              <a:off x="2381161" y="2231077"/>
+              <a:ext cx="2036050" cy="2123609"/>
+            </a:xfrm>
+            <a:prstGeom prst="rect">
+              <a:avLst/>
+            </a:prstGeom>
+            <a:solidFill>
+              <a:schemeClr val="bg1"/>
+            </a:solidFill>
+            <a:ln w="12700">
+              <a:solidFill>
+                <a:schemeClr val="bg1">
+                  <a:lumMod val="75000"/>
+                </a:schemeClr>
+              </a:solidFill>
+            </a:ln>
+          </p:spPr>
+          <p:style>
+            <a:lnRef idx="2">
+              <a:schemeClr val="accent1">
+                <a:shade val="50000"/>
+              </a:schemeClr>
+            </a:lnRef>
+            <a:fillRef idx="1">
+              <a:schemeClr val="accent1"/>
+            </a:fillRef>
+            <a:effectRef idx="0">
+              <a:schemeClr val="accent1"/>
+            </a:effectRef>
+            <a:fontRef idx="minor">
+              <a:schemeClr val="lt1"/>
+            </a:fontRef>
+          </p:style>
+          <p:txBody>
+            <a:bodyPr rtlCol="0" anchor="ctr"/>
+            <a:lstStyle/>
+            <a:p>
+              <a:pPr algn="ctr"/>
+              <a:endParaRPr lang="en-US"/>
+            </a:p>
+          </p:txBody>
+        </p:sp>
+        <p:pic>
+          <p:nvPicPr>
+            <p:cNvPr id="27" name="Picture 26"/>
+            <p:cNvPicPr>
+              <a:picLocks noChangeAspect="1"/>
+            </p:cNvPicPr>
+            <p:nvPr/>
+          </p:nvPicPr>
+          <p:blipFill rotWithShape="1">
+            <a:blip r:embed="rId3" cstate="print">
+              <a:extLst>
+                <a:ext uri="{28A0092B-C50C-407E-A947-70E740481C1C}">
+                  <a14:useLocalDpi xmlns:a14="http://schemas.microsoft.com/office/drawing/2010/main" val="0"/>
+                </a:ext>
+              </a:extLst>
+            </a:blip>
+            <a:srcRect l="810" t="1554" r="850" b="24090"/>
+            <a:stretch/>
+          </p:blipFill>
+          <p:spPr>
+            <a:xfrm rot="10800000">
+              <a:off x="2418143" y="2246404"/>
+              <a:ext cx="1965408" cy="2104306"/>
+            </a:xfrm>
+            <a:prstGeom prst="rect">
+              <a:avLst/>
+            </a:prstGeom>
+          </p:spPr>
+        </p:pic>
+      </p:grpSp>
+      <p:sp>
+        <p:nvSpPr>
+          <p:cNvPr id="29" name="TextBox 28"/>
+          <p:cNvSpPr txBox="1"/>
+          <p:nvPr/>
+        </p:nvSpPr>
+        <p:spPr>
+          <a:xfrm>
+            <a:off x="271305" y="2358807"/>
+            <a:ext cx="249891" cy="1107680"/>
+          </a:xfrm>
+          <a:prstGeom prst="rect">
+            <a:avLst/>
+          </a:prstGeom>
+          <a:solidFill>
+            <a:schemeClr val="accent2">
+              <a:lumMod val="75000"/>
+            </a:schemeClr>
+          </a:solidFill>
+        </p:spPr>
+        <p:txBody>
+          <a:bodyPr wrap="square" lIns="36000" tIns="0" rIns="36000" bIns="0" rtlCol="0" anchor="ctr">
+            <a:noAutofit/>
+          </a:bodyPr>
+          <a:lstStyle/>
+          <a:p>
+            <a:pPr algn="ctr"/>
+            <a:r>
+              <a:rPr lang="zh-TW" altLang="en-US" sz="1100" b="1" dirty="0" smtClean="0">
+                <a:solidFill>
+                  <a:schemeClr val="bg1"/>
+                </a:solidFill>
+              </a:rPr>
+              <a:t>題目</a:t>
+            </a:r>
+            <a:endParaRPr lang="en-US" sz="1100" b="1" dirty="0">
+              <a:solidFill>
+                <a:schemeClr val="bg1"/>
+              </a:solidFill>
+            </a:endParaRPr>
+          </a:p>
+        </p:txBody>
+      </p:sp>
+      <p:sp>
+        <p:nvSpPr>
+          <p:cNvPr id="33" name="TextBox 32"/>
+          <p:cNvSpPr txBox="1"/>
+          <p:nvPr/>
+        </p:nvSpPr>
+        <p:spPr>
+          <a:xfrm>
+            <a:off x="269100" y="3717062"/>
+            <a:ext cx="255911" cy="775194"/>
+          </a:xfrm>
+          <a:prstGeom prst="rect">
+            <a:avLst/>
+          </a:prstGeom>
+          <a:solidFill>
+            <a:schemeClr val="accent2">
+              <a:lumMod val="75000"/>
+            </a:schemeClr>
+          </a:solidFill>
+        </p:spPr>
+        <p:txBody>
+          <a:bodyPr wrap="square" lIns="36000" tIns="0" rIns="36000" bIns="0" rtlCol="0" anchor="ctr">
+            <a:noAutofit/>
+          </a:bodyPr>
+          <a:lstStyle/>
+          <a:p>
+            <a:pPr algn="ctr"/>
+            <a:r>
+              <a:rPr lang="zh-TW" altLang="en-US" sz="1100" b="1" dirty="0" smtClean="0">
+                <a:solidFill>
+                  <a:schemeClr val="bg1"/>
+                </a:solidFill>
+              </a:rPr>
+              <a:t>選項</a:t>
+            </a:r>
+            <a:endParaRPr lang="en-US" sz="1100" b="1" dirty="0">
+              <a:solidFill>
+                <a:schemeClr val="bg1"/>
+              </a:solidFill>
+            </a:endParaRPr>
+          </a:p>
+        </p:txBody>
+      </p:sp>
+      <p:sp>
+        <p:nvSpPr>
+          <p:cNvPr id="39" name="Rectangle 38"/>
+          <p:cNvSpPr/>
+          <p:nvPr/>
+        </p:nvSpPr>
+        <p:spPr>
+          <a:xfrm>
+            <a:off x="579025" y="2598655"/>
+            <a:ext cx="102109" cy="103073"/>
+          </a:xfrm>
+          <a:prstGeom prst="rect">
+            <a:avLst/>
+          </a:prstGeom>
+          <a:solidFill>
+            <a:schemeClr val="bg1"/>
+          </a:solidFill>
+          <a:ln>
+            <a:solidFill>
+              <a:srgbClr val="FF0000"/>
+            </a:solidFill>
+          </a:ln>
+        </p:spPr>
+        <p:style>
+          <a:lnRef idx="2">
+            <a:schemeClr val="accent1">
+              <a:shade val="50000"/>
+            </a:schemeClr>
+          </a:lnRef>
+          <a:fillRef idx="1">
+            <a:schemeClr val="accent1"/>
+          </a:fillRef>
+          <a:effectRef idx="0">
+            <a:schemeClr val="accent1"/>
+          </a:effectRef>
+          <a:fontRef idx="minor">
+            <a:schemeClr val="lt1"/>
+          </a:fontRef>
+        </p:style>
+        <p:txBody>
+          <a:bodyPr rtlCol="0" anchor="ctr"/>
+          <a:lstStyle/>
+          <a:p>
+            <a:pPr algn="ctr"/>
+            <a:r>
+              <a:rPr lang="en-US" sz="600" b="1" dirty="0" smtClean="0">
+                <a:solidFill>
+                  <a:srgbClr val="FF0000"/>
+                </a:solidFill>
+              </a:rPr>
+              <a:t>1</a:t>
+            </a:r>
+            <a:endParaRPr lang="en-US" sz="600" b="1" dirty="0">
+              <a:solidFill>
+                <a:srgbClr val="FF0000"/>
+              </a:solidFill>
+            </a:endParaRPr>
+          </a:p>
+        </p:txBody>
+      </p:sp>
+      <p:sp>
+        <p:nvSpPr>
+          <p:cNvPr id="40" name="Rectangle 39"/>
+          <p:cNvSpPr/>
+          <p:nvPr/>
+        </p:nvSpPr>
+        <p:spPr>
+          <a:xfrm>
+            <a:off x="905059" y="2598655"/>
+            <a:ext cx="102109" cy="103073"/>
+          </a:xfrm>
+          <a:prstGeom prst="rect">
+            <a:avLst/>
+          </a:prstGeom>
+          <a:solidFill>
+            <a:schemeClr val="bg1"/>
+          </a:solidFill>
+          <a:ln>
+            <a:solidFill>
+              <a:srgbClr val="FF0000"/>
+            </a:solidFill>
+          </a:ln>
+        </p:spPr>
+        <p:style>
+          <a:lnRef idx="2">
+            <a:schemeClr val="accent1">
+              <a:shade val="50000"/>
+            </a:schemeClr>
+          </a:lnRef>
+          <a:fillRef idx="1">
+            <a:schemeClr val="accent1"/>
+          </a:fillRef>
+          <a:effectRef idx="0">
+            <a:schemeClr val="accent1"/>
+          </a:effectRef>
+          <a:fontRef idx="minor">
+            <a:schemeClr val="lt1"/>
+          </a:fontRef>
+        </p:style>
+        <p:txBody>
+          <a:bodyPr rtlCol="0" anchor="ctr"/>
+          <a:lstStyle/>
+          <a:p>
+            <a:pPr algn="ctr"/>
+            <a:r>
+              <a:rPr lang="zh-TW" altLang="en-US" sz="600" b="1" dirty="0" smtClean="0">
+                <a:solidFill>
+                  <a:srgbClr val="FF0000"/>
+                </a:solidFill>
+              </a:rPr>
+              <a:t>２</a:t>
+            </a:r>
+            <a:endParaRPr lang="en-US" sz="600" b="1" dirty="0">
+              <a:solidFill>
+                <a:srgbClr val="FF0000"/>
+              </a:solidFill>
+            </a:endParaRPr>
+          </a:p>
+        </p:txBody>
+      </p:sp>
+      <p:sp>
+        <p:nvSpPr>
+          <p:cNvPr id="41" name="Rectangle 40"/>
+          <p:cNvSpPr/>
+          <p:nvPr/>
+        </p:nvSpPr>
+        <p:spPr>
+          <a:xfrm>
+            <a:off x="1215134" y="2598655"/>
+            <a:ext cx="102109" cy="103073"/>
+          </a:xfrm>
+          <a:prstGeom prst="rect">
+            <a:avLst/>
+          </a:prstGeom>
+          <a:solidFill>
+            <a:schemeClr val="bg1"/>
+          </a:solidFill>
+          <a:ln>
+            <a:solidFill>
+              <a:srgbClr val="FF0000"/>
+            </a:solidFill>
+          </a:ln>
+        </p:spPr>
+        <p:style>
+          <a:lnRef idx="2">
+            <a:schemeClr val="accent1">
+              <a:shade val="50000"/>
+            </a:schemeClr>
+          </a:lnRef>
+          <a:fillRef idx="1">
+            <a:schemeClr val="accent1"/>
+          </a:fillRef>
+          <a:effectRef idx="0">
+            <a:schemeClr val="accent1"/>
+          </a:effectRef>
+          <a:fontRef idx="minor">
+            <a:schemeClr val="lt1"/>
+          </a:fontRef>
+        </p:style>
+        <p:txBody>
+          <a:bodyPr rtlCol="0" anchor="ctr"/>
+          <a:lstStyle/>
+          <a:p>
+            <a:pPr algn="ctr"/>
+            <a:r>
+              <a:rPr lang="zh-TW" altLang="en-US" sz="600" b="1" dirty="0">
+                <a:solidFill>
+                  <a:srgbClr val="FF0000"/>
+                </a:solidFill>
+              </a:rPr>
+              <a:t>３</a:t>
+            </a:r>
+            <a:endParaRPr lang="en-US" sz="600" b="1" dirty="0">
+              <a:solidFill>
+                <a:srgbClr val="FF0000"/>
+              </a:solidFill>
+            </a:endParaRPr>
+          </a:p>
+        </p:txBody>
+      </p:sp>
+      <p:sp>
+        <p:nvSpPr>
+          <p:cNvPr id="42" name="Rectangle 41"/>
+          <p:cNvSpPr/>
+          <p:nvPr/>
+        </p:nvSpPr>
+        <p:spPr>
+          <a:xfrm>
+            <a:off x="1534020" y="2598655"/>
+            <a:ext cx="102109" cy="103073"/>
+          </a:xfrm>
+          <a:prstGeom prst="rect">
+            <a:avLst/>
+          </a:prstGeom>
+          <a:solidFill>
+            <a:schemeClr val="bg1"/>
+          </a:solidFill>
+          <a:ln>
+            <a:solidFill>
+              <a:srgbClr val="FF0000"/>
+            </a:solidFill>
+          </a:ln>
+        </p:spPr>
+        <p:style>
+          <a:lnRef idx="2">
+            <a:schemeClr val="accent1">
+              <a:shade val="50000"/>
+            </a:schemeClr>
+          </a:lnRef>
+          <a:fillRef idx="1">
+            <a:schemeClr val="accent1"/>
+          </a:fillRef>
+          <a:effectRef idx="0">
+            <a:schemeClr val="accent1"/>
+          </a:effectRef>
+          <a:fontRef idx="minor">
+            <a:schemeClr val="lt1"/>
+          </a:fontRef>
+        </p:style>
+        <p:txBody>
+          <a:bodyPr rtlCol="0" anchor="ctr"/>
+          <a:lstStyle/>
+          <a:p>
+            <a:pPr algn="ctr"/>
+            <a:r>
+              <a:rPr lang="zh-TW" altLang="en-US" sz="600" b="1" dirty="0" smtClean="0">
+                <a:solidFill>
+                  <a:srgbClr val="FF0000"/>
+                </a:solidFill>
+              </a:rPr>
+              <a:t>４</a:t>
+            </a:r>
+            <a:endParaRPr lang="en-US" sz="600" b="1" dirty="0">
+              <a:solidFill>
+                <a:srgbClr val="FF0000"/>
+              </a:solidFill>
+            </a:endParaRPr>
+          </a:p>
+        </p:txBody>
+      </p:sp>
+      <p:sp>
+        <p:nvSpPr>
+          <p:cNvPr id="43" name="Rectangle 42"/>
+          <p:cNvSpPr/>
+          <p:nvPr/>
+        </p:nvSpPr>
+        <p:spPr>
+          <a:xfrm>
+            <a:off x="1843224" y="2598655"/>
+            <a:ext cx="102109" cy="103073"/>
+          </a:xfrm>
+          <a:prstGeom prst="rect">
+            <a:avLst/>
+          </a:prstGeom>
+          <a:solidFill>
+            <a:schemeClr val="bg1"/>
+          </a:solidFill>
+          <a:ln>
+            <a:solidFill>
+              <a:srgbClr val="FF0000"/>
+            </a:solidFill>
+          </a:ln>
+        </p:spPr>
+        <p:style>
+          <a:lnRef idx="2">
+            <a:schemeClr val="accent1">
+              <a:shade val="50000"/>
+            </a:schemeClr>
+          </a:lnRef>
+          <a:fillRef idx="1">
+            <a:schemeClr val="accent1"/>
+          </a:fillRef>
+          <a:effectRef idx="0">
+            <a:schemeClr val="accent1"/>
+          </a:effectRef>
+          <a:fontRef idx="minor">
+            <a:schemeClr val="lt1"/>
+          </a:fontRef>
+        </p:style>
+        <p:txBody>
+          <a:bodyPr rtlCol="0" anchor="ctr"/>
+          <a:lstStyle/>
+          <a:p>
+            <a:pPr algn="ctr"/>
+            <a:r>
+              <a:rPr lang="zh-TW" altLang="en-US" sz="600" b="1" dirty="0">
+                <a:solidFill>
+                  <a:srgbClr val="FF0000"/>
+                </a:solidFill>
+              </a:rPr>
+              <a:t>５</a:t>
+            </a:r>
+            <a:endParaRPr lang="en-US" sz="600" b="1" dirty="0">
+              <a:solidFill>
+                <a:srgbClr val="FF0000"/>
+              </a:solidFill>
+            </a:endParaRPr>
+          </a:p>
+        </p:txBody>
+      </p:sp>
+      <p:sp>
+        <p:nvSpPr>
+          <p:cNvPr id="44" name="Rectangle 43"/>
+          <p:cNvSpPr/>
+          <p:nvPr/>
+        </p:nvSpPr>
+        <p:spPr>
+          <a:xfrm>
+            <a:off x="2169258" y="2600892"/>
+            <a:ext cx="102109" cy="103073"/>
+          </a:xfrm>
+          <a:prstGeom prst="rect">
+            <a:avLst/>
+          </a:prstGeom>
+          <a:solidFill>
+            <a:schemeClr val="bg1"/>
+          </a:solidFill>
+          <a:ln>
+            <a:solidFill>
+              <a:srgbClr val="FF0000"/>
+            </a:solidFill>
+          </a:ln>
+        </p:spPr>
+        <p:style>
+          <a:lnRef idx="2">
+            <a:schemeClr val="accent1">
+              <a:shade val="50000"/>
+            </a:schemeClr>
+          </a:lnRef>
+          <a:fillRef idx="1">
+            <a:schemeClr val="accent1"/>
+          </a:fillRef>
+          <a:effectRef idx="0">
+            <a:schemeClr val="accent1"/>
+          </a:effectRef>
+          <a:fontRef idx="minor">
+            <a:schemeClr val="lt1"/>
+          </a:fontRef>
+        </p:style>
+        <p:txBody>
+          <a:bodyPr rtlCol="0" anchor="ctr"/>
+          <a:lstStyle/>
+          <a:p>
+            <a:pPr algn="ctr"/>
+            <a:r>
+              <a:rPr lang="zh-TW" altLang="en-US" sz="600" b="1" dirty="0" smtClean="0">
+                <a:solidFill>
+                  <a:srgbClr val="FF0000"/>
+                </a:solidFill>
+              </a:rPr>
+              <a:t>６</a:t>
+            </a:r>
+            <a:endParaRPr lang="en-US" sz="600" b="1" dirty="0">
+              <a:solidFill>
+                <a:srgbClr val="FF0000"/>
+              </a:solidFill>
+            </a:endParaRPr>
+          </a:p>
+        </p:txBody>
+      </p:sp>
+      <p:sp>
+        <p:nvSpPr>
+          <p:cNvPr id="46" name="Rectangle 45"/>
+          <p:cNvSpPr/>
+          <p:nvPr/>
+        </p:nvSpPr>
+        <p:spPr>
+          <a:xfrm>
+            <a:off x="569846" y="3334942"/>
+            <a:ext cx="102109" cy="103073"/>
+          </a:xfrm>
+          <a:prstGeom prst="rect">
+            <a:avLst/>
+          </a:prstGeom>
+          <a:solidFill>
+            <a:schemeClr val="bg1"/>
+          </a:solidFill>
+          <a:ln>
+            <a:solidFill>
+              <a:srgbClr val="FF0000"/>
+            </a:solidFill>
+          </a:ln>
+        </p:spPr>
+        <p:style>
+          <a:lnRef idx="2">
+            <a:schemeClr val="accent1">
+              <a:shade val="50000"/>
+            </a:schemeClr>
+          </a:lnRef>
+          <a:fillRef idx="1">
+            <a:schemeClr val="accent1"/>
+          </a:fillRef>
+          <a:effectRef idx="0">
+            <a:schemeClr val="accent1"/>
+          </a:effectRef>
+          <a:fontRef idx="minor">
+            <a:schemeClr val="lt1"/>
+          </a:fontRef>
+        </p:style>
+        <p:txBody>
+          <a:bodyPr rtlCol="0" anchor="ctr"/>
+          <a:lstStyle/>
+          <a:p>
+            <a:pPr algn="ctr"/>
+            <a:r>
+              <a:rPr lang="zh-TW" altLang="en-US" sz="600" b="1" dirty="0">
+                <a:solidFill>
+                  <a:srgbClr val="FF0000"/>
+                </a:solidFill>
+              </a:rPr>
+              <a:t>７</a:t>
+            </a:r>
+            <a:endParaRPr lang="en-US" sz="600" b="1" dirty="0">
+              <a:solidFill>
+                <a:srgbClr val="FF0000"/>
+              </a:solidFill>
+            </a:endParaRPr>
+          </a:p>
+        </p:txBody>
+      </p:sp>
+      <p:sp>
+        <p:nvSpPr>
+          <p:cNvPr id="47" name="Rectangle 46"/>
+          <p:cNvSpPr/>
+          <p:nvPr/>
+        </p:nvSpPr>
+        <p:spPr>
+          <a:xfrm>
+            <a:off x="895880" y="3334942"/>
+            <a:ext cx="102109" cy="103073"/>
+          </a:xfrm>
+          <a:prstGeom prst="rect">
+            <a:avLst/>
+          </a:prstGeom>
+          <a:solidFill>
+            <a:schemeClr val="bg1"/>
+          </a:solidFill>
+          <a:ln>
+            <a:solidFill>
+              <a:srgbClr val="FF0000"/>
+            </a:solidFill>
+          </a:ln>
+        </p:spPr>
+        <p:style>
+          <a:lnRef idx="2">
+            <a:schemeClr val="accent1">
+              <a:shade val="50000"/>
+            </a:schemeClr>
+          </a:lnRef>
+          <a:fillRef idx="1">
+            <a:schemeClr val="accent1"/>
+          </a:fillRef>
+          <a:effectRef idx="0">
+            <a:schemeClr val="accent1"/>
+          </a:effectRef>
+          <a:fontRef idx="minor">
+            <a:schemeClr val="lt1"/>
+          </a:fontRef>
+        </p:style>
+        <p:txBody>
+          <a:bodyPr rtlCol="0" anchor="ctr"/>
+          <a:lstStyle/>
+          <a:p>
+            <a:pPr algn="ctr"/>
+            <a:r>
+              <a:rPr lang="zh-TW" altLang="en-US" sz="600" b="1" dirty="0">
+                <a:solidFill>
+                  <a:srgbClr val="FF0000"/>
+                </a:solidFill>
+              </a:rPr>
+              <a:t>８</a:t>
+            </a:r>
+            <a:endParaRPr lang="en-US" sz="600" b="1" dirty="0">
+              <a:solidFill>
+                <a:srgbClr val="FF0000"/>
+              </a:solidFill>
+            </a:endParaRPr>
+          </a:p>
+        </p:txBody>
+      </p:sp>
+      <p:sp>
+        <p:nvSpPr>
+          <p:cNvPr id="48" name="Rectangle 47"/>
+          <p:cNvSpPr/>
+          <p:nvPr/>
+        </p:nvSpPr>
+        <p:spPr>
+          <a:xfrm>
+            <a:off x="1205955" y="3334942"/>
+            <a:ext cx="102109" cy="103073"/>
+          </a:xfrm>
+          <a:prstGeom prst="rect">
+            <a:avLst/>
+          </a:prstGeom>
+          <a:solidFill>
+            <a:schemeClr val="bg1"/>
+          </a:solidFill>
+          <a:ln>
+            <a:solidFill>
+              <a:srgbClr val="FF0000"/>
+            </a:solidFill>
+          </a:ln>
+        </p:spPr>
+        <p:style>
+          <a:lnRef idx="2">
+            <a:schemeClr val="accent1">
+              <a:shade val="50000"/>
+            </a:schemeClr>
+          </a:lnRef>
+          <a:fillRef idx="1">
+            <a:schemeClr val="accent1"/>
+          </a:fillRef>
+          <a:effectRef idx="0">
+            <a:schemeClr val="accent1"/>
+          </a:effectRef>
+          <a:fontRef idx="minor">
+            <a:schemeClr val="lt1"/>
+          </a:fontRef>
+        </p:style>
+        <p:txBody>
+          <a:bodyPr rtlCol="0" anchor="ctr"/>
+          <a:lstStyle/>
+          <a:p>
+            <a:pPr algn="ctr"/>
+            <a:r>
+              <a:rPr lang="zh-TW" altLang="en-US" sz="600" b="1" dirty="0" smtClean="0">
+                <a:solidFill>
+                  <a:srgbClr val="FF0000"/>
+                </a:solidFill>
+              </a:rPr>
+              <a:t>９</a:t>
+            </a:r>
+            <a:endParaRPr lang="en-US" sz="600" b="1" dirty="0">
+              <a:solidFill>
+                <a:srgbClr val="FF0000"/>
+              </a:solidFill>
+            </a:endParaRPr>
+          </a:p>
+        </p:txBody>
+      </p:sp>
+      <p:sp>
+        <p:nvSpPr>
+          <p:cNvPr id="49" name="Rectangle 48"/>
+          <p:cNvSpPr/>
+          <p:nvPr/>
+        </p:nvSpPr>
+        <p:spPr>
+          <a:xfrm>
+            <a:off x="1524841" y="3334942"/>
+            <a:ext cx="158445" cy="103073"/>
+          </a:xfrm>
+          <a:prstGeom prst="rect">
+            <a:avLst/>
+          </a:prstGeom>
+          <a:solidFill>
+            <a:schemeClr val="bg1"/>
+          </a:solidFill>
+          <a:ln>
+            <a:solidFill>
+              <a:srgbClr val="FF0000"/>
+            </a:solidFill>
+          </a:ln>
+        </p:spPr>
+        <p:style>
+          <a:lnRef idx="2">
+            <a:schemeClr val="accent1">
+              <a:shade val="50000"/>
+            </a:schemeClr>
+          </a:lnRef>
+          <a:fillRef idx="1">
+            <a:schemeClr val="accent1"/>
+          </a:fillRef>
+          <a:effectRef idx="0">
+            <a:schemeClr val="accent1"/>
+          </a:effectRef>
+          <a:fontRef idx="minor">
+            <a:schemeClr val="lt1"/>
+          </a:fontRef>
+        </p:style>
+        <p:txBody>
+          <a:bodyPr lIns="0" rIns="0" rtlCol="0" anchor="ctr"/>
+          <a:lstStyle/>
+          <a:p>
+            <a:pPr algn="ctr"/>
+            <a:r>
+              <a:rPr lang="en-US" sz="600" b="1" dirty="0" smtClean="0">
+                <a:solidFill>
+                  <a:srgbClr val="FF0000"/>
+                </a:solidFill>
+                <a:latin typeface="微軟正黑體" panose="020B0604030504040204" pitchFamily="34" charset="-120"/>
+                <a:ea typeface="微軟正黑體" panose="020B0604030504040204" pitchFamily="34" charset="-120"/>
+              </a:rPr>
+              <a:t>10</a:t>
+            </a:r>
+            <a:endParaRPr lang="en-US" sz="600" b="1" dirty="0">
+              <a:solidFill>
+                <a:srgbClr val="FF0000"/>
+              </a:solidFill>
+              <a:latin typeface="微軟正黑體" panose="020B0604030504040204" pitchFamily="34" charset="-120"/>
+              <a:ea typeface="微軟正黑體" panose="020B0604030504040204" pitchFamily="34" charset="-120"/>
+            </a:endParaRPr>
+          </a:p>
+        </p:txBody>
+      </p:sp>
+      <p:sp>
+        <p:nvSpPr>
+          <p:cNvPr id="52" name="Rectangle 51"/>
+          <p:cNvSpPr/>
+          <p:nvPr/>
+        </p:nvSpPr>
+        <p:spPr>
+          <a:xfrm>
+            <a:off x="1846165" y="3333106"/>
+            <a:ext cx="158445" cy="103073"/>
+          </a:xfrm>
+          <a:prstGeom prst="rect">
+            <a:avLst/>
+          </a:prstGeom>
+          <a:solidFill>
+            <a:schemeClr val="bg1"/>
+          </a:solidFill>
+          <a:ln>
+            <a:solidFill>
+              <a:srgbClr val="FF0000"/>
+            </a:solidFill>
+          </a:ln>
+        </p:spPr>
+        <p:style>
+          <a:lnRef idx="2">
+            <a:schemeClr val="accent1">
+              <a:shade val="50000"/>
+            </a:schemeClr>
+          </a:lnRef>
+          <a:fillRef idx="1">
+            <a:schemeClr val="accent1"/>
+          </a:fillRef>
+          <a:effectRef idx="0">
+            <a:schemeClr val="accent1"/>
+          </a:effectRef>
+          <a:fontRef idx="minor">
+            <a:schemeClr val="lt1"/>
+          </a:fontRef>
+        </p:style>
+        <p:txBody>
+          <a:bodyPr lIns="0" rIns="0" rtlCol="0" anchor="ctr"/>
+          <a:lstStyle/>
+          <a:p>
+            <a:pPr algn="ctr"/>
+            <a:r>
+              <a:rPr lang="en-US" sz="600" b="1" dirty="0" smtClean="0">
+                <a:solidFill>
+                  <a:srgbClr val="FF0000"/>
+                </a:solidFill>
+                <a:latin typeface="微軟正黑體" panose="020B0604030504040204" pitchFamily="34" charset="-120"/>
+                <a:ea typeface="微軟正黑體" panose="020B0604030504040204" pitchFamily="34" charset="-120"/>
+              </a:rPr>
+              <a:t>11</a:t>
+            </a:r>
+            <a:endParaRPr lang="en-US" sz="600" b="1" dirty="0">
+              <a:solidFill>
+                <a:srgbClr val="FF0000"/>
+              </a:solidFill>
+              <a:latin typeface="微軟正黑體" panose="020B0604030504040204" pitchFamily="34" charset="-120"/>
+              <a:ea typeface="微軟正黑體" panose="020B0604030504040204" pitchFamily="34" charset="-120"/>
+            </a:endParaRPr>
+          </a:p>
+        </p:txBody>
+      </p:sp>
+      <p:sp>
+        <p:nvSpPr>
+          <p:cNvPr id="53" name="Rectangle 52"/>
+          <p:cNvSpPr/>
+          <p:nvPr/>
+        </p:nvSpPr>
+        <p:spPr>
+          <a:xfrm>
+            <a:off x="2162916" y="3336985"/>
+            <a:ext cx="158445" cy="103073"/>
+          </a:xfrm>
+          <a:prstGeom prst="rect">
+            <a:avLst/>
+          </a:prstGeom>
+          <a:solidFill>
+            <a:schemeClr val="bg1"/>
+          </a:solidFill>
+          <a:ln>
+            <a:solidFill>
+              <a:srgbClr val="FF0000"/>
+            </a:solidFill>
+          </a:ln>
+        </p:spPr>
+        <p:style>
+          <a:lnRef idx="2">
+            <a:schemeClr val="accent1">
+              <a:shade val="50000"/>
+            </a:schemeClr>
+          </a:lnRef>
+          <a:fillRef idx="1">
+            <a:schemeClr val="accent1"/>
+          </a:fillRef>
+          <a:effectRef idx="0">
+            <a:schemeClr val="accent1"/>
+          </a:effectRef>
+          <a:fontRef idx="minor">
+            <a:schemeClr val="lt1"/>
+          </a:fontRef>
+        </p:style>
+        <p:txBody>
+          <a:bodyPr lIns="0" rIns="0" rtlCol="0" anchor="ctr"/>
+          <a:lstStyle/>
+          <a:p>
+            <a:pPr algn="ctr"/>
+            <a:r>
+              <a:rPr lang="en-US" sz="600" b="1" dirty="0" smtClean="0">
+                <a:solidFill>
+                  <a:srgbClr val="FF0000"/>
+                </a:solidFill>
+                <a:latin typeface="微軟正黑體" panose="020B0604030504040204" pitchFamily="34" charset="-120"/>
+                <a:ea typeface="微軟正黑體" panose="020B0604030504040204" pitchFamily="34" charset="-120"/>
+              </a:rPr>
+              <a:t>12</a:t>
+            </a:r>
+            <a:endParaRPr lang="en-US" sz="600" b="1" dirty="0">
+              <a:solidFill>
+                <a:srgbClr val="FF0000"/>
+              </a:solidFill>
+              <a:latin typeface="微軟正黑體" panose="020B0604030504040204" pitchFamily="34" charset="-120"/>
+              <a:ea typeface="微軟正黑體" panose="020B0604030504040204" pitchFamily="34" charset="-120"/>
+            </a:endParaRPr>
+          </a:p>
+        </p:txBody>
+      </p:sp>
+      <p:pic>
+        <p:nvPicPr>
+          <p:cNvPr id="57" name="Picture 56"/>
+          <p:cNvPicPr>
+            <a:picLocks noChangeAspect="1"/>
+          </p:cNvPicPr>
+          <p:nvPr/>
+        </p:nvPicPr>
+        <p:blipFill rotWithShape="1">
+          <a:blip r:embed="rId2">
+            <a:extLst>
+              <a:ext uri="{28A0092B-C50C-407E-A947-70E740481C1C}">
+                <a14:useLocalDpi xmlns:a14="http://schemas.microsoft.com/office/drawing/2010/main" val="0"/>
+              </a:ext>
+            </a:extLst>
+          </a:blip>
+          <a:srcRect l="4026" t="69587" r="93883" b="22687"/>
+          <a:stretch/>
+        </p:blipFill>
+        <p:spPr>
+          <a:xfrm>
+            <a:off x="720275" y="4622327"/>
+            <a:ext cx="261323" cy="247385"/>
+          </a:xfrm>
+          <a:prstGeom prst="rect">
+            <a:avLst/>
+          </a:prstGeom>
+          <a:ln w="22225">
+            <a:solidFill>
+              <a:schemeClr val="accent2">
+                <a:lumMod val="75000"/>
+              </a:schemeClr>
+            </a:solidFill>
+          </a:ln>
+          <a:effectLst>
+            <a:outerShdw blurRad="50800" dist="38100" dir="5400000" algn="t" rotWithShape="0">
+              <a:prstClr val="black">
+                <a:alpha val="40000"/>
+              </a:prstClr>
+            </a:outerShdw>
+          </a:effectLst>
+        </p:spPr>
+      </p:pic>
+      <p:cxnSp>
+        <p:nvCxnSpPr>
+          <p:cNvPr id="6" name="Straight Arrow Connector 5"/>
+          <p:cNvCxnSpPr>
+            <a:stCxn id="39" idx="2"/>
+          </p:cNvCxnSpPr>
+          <p:nvPr/>
+        </p:nvCxnSpPr>
+        <p:spPr>
+          <a:xfrm>
+            <a:off x="630080" y="2701728"/>
+            <a:ext cx="99082" cy="1897715"/>
+          </a:xfrm>
+          <a:prstGeom prst="straightConnector1">
+            <a:avLst/>
+          </a:prstGeom>
+          <a:ln w="12700">
+            <a:solidFill>
+              <a:srgbClr val="FF0000"/>
+            </a:solidFill>
+            <a:tailEnd type="triangle"/>
+          </a:ln>
+        </p:spPr>
+        <p:style>
+          <a:lnRef idx="1">
+            <a:schemeClr val="accent1"/>
+          </a:lnRef>
+          <a:fillRef idx="0">
+            <a:schemeClr val="accent1"/>
+          </a:fillRef>
+          <a:effectRef idx="0">
+            <a:schemeClr val="accent1"/>
+          </a:effectRef>
+          <a:fontRef idx="minor">
+            <a:schemeClr val="tx1"/>
+          </a:fontRef>
+        </p:style>
+      </p:cxnSp>
+      <p:grpSp>
+        <p:nvGrpSpPr>
+          <p:cNvPr id="61" name="Group 60"/>
+          <p:cNvGrpSpPr/>
+          <p:nvPr/>
+        </p:nvGrpSpPr>
+        <p:grpSpPr>
+          <a:xfrm>
+            <a:off x="8653305" y="2250380"/>
+            <a:ext cx="3485109" cy="2236012"/>
+            <a:chOff x="1767093" y="-346929"/>
+            <a:chExt cx="3836255" cy="2461304"/>
+          </a:xfrm>
+        </p:grpSpPr>
+        <p:pic>
+          <p:nvPicPr>
+            <p:cNvPr id="62" name="Picture 61"/>
+            <p:cNvPicPr>
+              <a:picLocks noChangeAspect="1"/>
+            </p:cNvPicPr>
+            <p:nvPr/>
+          </p:nvPicPr>
+          <p:blipFill rotWithShape="1">
+            <a:blip r:embed="rId2">
+              <a:extLst>
+                <a:ext uri="{28A0092B-C50C-407E-A947-70E740481C1C}">
+                  <a14:useLocalDpi xmlns:a14="http://schemas.microsoft.com/office/drawing/2010/main" val="0"/>
+                </a:ext>
+              </a:extLst>
+            </a:blip>
+            <a:srcRect l="60329"/>
+            <a:stretch/>
+          </p:blipFill>
+          <p:spPr>
+            <a:xfrm>
+              <a:off x="1793349" y="-346929"/>
+              <a:ext cx="3809999" cy="2461304"/>
+            </a:xfrm>
+            <a:prstGeom prst="rect">
+              <a:avLst/>
+            </a:prstGeom>
+          </p:spPr>
+        </p:pic>
+        <p:sp>
+          <p:nvSpPr>
+            <p:cNvPr id="63" name="Rectangle 62"/>
+            <p:cNvSpPr/>
+            <p:nvPr/>
+          </p:nvSpPr>
+          <p:spPr>
+            <a:xfrm>
+              <a:off x="1767093" y="1452942"/>
+              <a:ext cx="145855" cy="488054"/>
+            </a:xfrm>
+            <a:prstGeom prst="rect">
+              <a:avLst/>
+            </a:prstGeom>
+            <a:solidFill>
+              <a:schemeClr val="bg1"/>
+            </a:solidFill>
+            <a:ln>
+              <a:noFill/>
+            </a:ln>
+          </p:spPr>
+          <p:style>
+            <a:lnRef idx="2">
+              <a:schemeClr val="accent1">
+                <a:shade val="50000"/>
+              </a:schemeClr>
+            </a:lnRef>
+            <a:fillRef idx="1">
+              <a:schemeClr val="accent1"/>
+            </a:fillRef>
+            <a:effectRef idx="0">
+              <a:schemeClr val="accent1"/>
+            </a:effectRef>
+            <a:fontRef idx="minor">
+              <a:schemeClr val="lt1"/>
+            </a:fontRef>
+          </p:style>
+          <p:txBody>
+            <a:bodyPr rtlCol="0" anchor="ctr"/>
+            <a:lstStyle/>
+            <a:p>
+              <a:pPr algn="ctr"/>
+              <a:endParaRPr lang="en-US"/>
+            </a:p>
+          </p:txBody>
+        </p:sp>
+      </p:grpSp>
+      <p:grpSp>
+        <p:nvGrpSpPr>
+          <p:cNvPr id="64" name="Group 63"/>
+          <p:cNvGrpSpPr/>
+          <p:nvPr/>
+        </p:nvGrpSpPr>
+        <p:grpSpPr>
+          <a:xfrm>
+            <a:off x="2718863" y="2250380"/>
+            <a:ext cx="3547045" cy="2236012"/>
+            <a:chOff x="4471023" y="2250380"/>
+            <a:chExt cx="3547045" cy="2236012"/>
+          </a:xfrm>
+        </p:grpSpPr>
+        <p:pic>
+          <p:nvPicPr>
+            <p:cNvPr id="65" name="Picture 64"/>
+            <p:cNvPicPr>
+              <a:picLocks noChangeAspect="1"/>
+            </p:cNvPicPr>
+            <p:nvPr/>
+          </p:nvPicPr>
+          <p:blipFill rotWithShape="1">
+            <a:blip r:embed="rId2">
+              <a:extLst>
+                <a:ext uri="{28A0092B-C50C-407E-A947-70E740481C1C}">
+                  <a14:useLocalDpi xmlns:a14="http://schemas.microsoft.com/office/drawing/2010/main" val="0"/>
+                </a:ext>
+              </a:extLst>
+            </a:blip>
+            <a:srcRect l="20385" r="38961"/>
+            <a:stretch/>
+          </p:blipFill>
+          <p:spPr>
+            <a:xfrm>
+              <a:off x="4471023" y="2250380"/>
+              <a:ext cx="3547045" cy="2236012"/>
+            </a:xfrm>
+            <a:prstGeom prst="rect">
+              <a:avLst/>
+            </a:prstGeom>
+          </p:spPr>
+        </p:pic>
+        <p:sp>
+          <p:nvSpPr>
+            <p:cNvPr id="66" name="Rectangle 65"/>
+            <p:cNvSpPr/>
+            <p:nvPr/>
+          </p:nvSpPr>
+          <p:spPr>
+            <a:xfrm>
+              <a:off x="7885564" y="3026655"/>
+              <a:ext cx="132504" cy="443381"/>
+            </a:xfrm>
+            <a:prstGeom prst="rect">
+              <a:avLst/>
+            </a:prstGeom>
+            <a:solidFill>
+              <a:schemeClr val="bg1"/>
+            </a:solidFill>
+            <a:ln>
+              <a:noFill/>
+            </a:ln>
+          </p:spPr>
+          <p:style>
+            <a:lnRef idx="2">
+              <a:schemeClr val="accent1">
+                <a:shade val="50000"/>
+              </a:schemeClr>
+            </a:lnRef>
+            <a:fillRef idx="1">
+              <a:schemeClr val="accent1"/>
+            </a:fillRef>
+            <a:effectRef idx="0">
+              <a:schemeClr val="accent1"/>
+            </a:effectRef>
+            <a:fontRef idx="minor">
+              <a:schemeClr val="lt1"/>
+            </a:fontRef>
+          </p:style>
+          <p:txBody>
+            <a:bodyPr rtlCol="0" anchor="ctr"/>
+            <a:lstStyle/>
+            <a:p>
+              <a:pPr algn="ctr"/>
+              <a:endParaRPr lang="en-US"/>
+            </a:p>
+          </p:txBody>
+        </p:sp>
+      </p:grpSp>
+      <p:grpSp>
+        <p:nvGrpSpPr>
+          <p:cNvPr id="68" name="Group 67"/>
+          <p:cNvGrpSpPr/>
+          <p:nvPr/>
+        </p:nvGrpSpPr>
+        <p:grpSpPr>
+          <a:xfrm>
+            <a:off x="6572779" y="2367475"/>
+            <a:ext cx="2036050" cy="2123609"/>
+            <a:chOff x="2381161" y="2231077"/>
+            <a:chExt cx="2036050" cy="2123609"/>
+          </a:xfrm>
+        </p:grpSpPr>
+        <p:sp>
+          <p:nvSpPr>
+            <p:cNvPr id="69" name="Rectangle 68"/>
+            <p:cNvSpPr/>
+            <p:nvPr/>
+          </p:nvSpPr>
+          <p:spPr>
+            <a:xfrm>
+              <a:off x="2381161" y="2231077"/>
+              <a:ext cx="2036050" cy="2123609"/>
+            </a:xfrm>
+            <a:prstGeom prst="rect">
+              <a:avLst/>
+            </a:prstGeom>
+            <a:solidFill>
+              <a:schemeClr val="bg1"/>
+            </a:solidFill>
+            <a:ln w="12700">
+              <a:solidFill>
+                <a:schemeClr val="bg1">
+                  <a:lumMod val="75000"/>
+                </a:schemeClr>
+              </a:solidFill>
+            </a:ln>
+          </p:spPr>
+          <p:style>
+            <a:lnRef idx="2">
+              <a:schemeClr val="accent1">
+                <a:shade val="50000"/>
+              </a:schemeClr>
+            </a:lnRef>
+            <a:fillRef idx="1">
+              <a:schemeClr val="accent1"/>
+            </a:fillRef>
+            <a:effectRef idx="0">
+              <a:schemeClr val="accent1"/>
+            </a:effectRef>
+            <a:fontRef idx="minor">
+              <a:schemeClr val="lt1"/>
+            </a:fontRef>
+          </p:style>
+          <p:txBody>
+            <a:bodyPr rtlCol="0" anchor="ctr"/>
+            <a:lstStyle/>
+            <a:p>
+              <a:pPr algn="ctr"/>
+              <a:endParaRPr lang="en-US"/>
+            </a:p>
+          </p:txBody>
+        </p:sp>
+        <p:pic>
+          <p:nvPicPr>
+            <p:cNvPr id="70" name="Picture 69"/>
+            <p:cNvPicPr>
+              <a:picLocks noChangeAspect="1"/>
+            </p:cNvPicPr>
+            <p:nvPr/>
+          </p:nvPicPr>
+          <p:blipFill rotWithShape="1">
+            <a:blip r:embed="rId3" cstate="print">
+              <a:extLst>
+                <a:ext uri="{28A0092B-C50C-407E-A947-70E740481C1C}">
+                  <a14:useLocalDpi xmlns:a14="http://schemas.microsoft.com/office/drawing/2010/main" val="0"/>
+                </a:ext>
+              </a:extLst>
+            </a:blip>
+            <a:srcRect l="810" t="1554" r="850" b="24090"/>
+            <a:stretch/>
+          </p:blipFill>
+          <p:spPr>
+            <a:xfrm rot="10800000">
+              <a:off x="2418143" y="2246404"/>
+              <a:ext cx="1965408" cy="2104306"/>
+            </a:xfrm>
+            <a:prstGeom prst="rect">
+              <a:avLst/>
+            </a:prstGeom>
+          </p:spPr>
+        </p:pic>
+      </p:grpSp>
+      <p:sp>
+        <p:nvSpPr>
+          <p:cNvPr id="75" name="Rectangle 74"/>
+          <p:cNvSpPr/>
+          <p:nvPr/>
+        </p:nvSpPr>
+        <p:spPr>
+          <a:xfrm>
+            <a:off x="7791258" y="3301284"/>
+            <a:ext cx="809612" cy="431046"/>
+          </a:xfrm>
+          <a:prstGeom prst="rect">
+            <a:avLst/>
+          </a:prstGeom>
+          <a:noFill/>
+          <a:ln w="25400">
+            <a:solidFill>
+              <a:schemeClr val="accent2">
+                <a:lumMod val="75000"/>
+              </a:schemeClr>
+            </a:solidFill>
+          </a:ln>
+        </p:spPr>
+        <p:style>
+          <a:lnRef idx="2">
+            <a:schemeClr val="accent1">
+              <a:shade val="50000"/>
+            </a:schemeClr>
+          </a:lnRef>
+          <a:fillRef idx="1">
+            <a:schemeClr val="accent1"/>
+          </a:fillRef>
+          <a:effectRef idx="0">
+            <a:schemeClr val="accent1"/>
+          </a:effectRef>
+          <a:fontRef idx="minor">
+            <a:schemeClr val="lt1"/>
+          </a:fontRef>
+        </p:style>
+        <p:txBody>
+          <a:bodyPr rtlCol="0" anchor="ctr"/>
+          <a:lstStyle/>
+          <a:p>
+            <a:pPr algn="ctr"/>
+            <a:endParaRPr lang="en-US"/>
+          </a:p>
+        </p:txBody>
+      </p:sp>
+      <p:sp>
+        <p:nvSpPr>
+          <p:cNvPr id="76" name="TextBox 75"/>
+          <p:cNvSpPr txBox="1"/>
+          <p:nvPr/>
+        </p:nvSpPr>
+        <p:spPr>
+          <a:xfrm>
+            <a:off x="7780625" y="3301283"/>
+            <a:ext cx="820245" cy="170617"/>
+          </a:xfrm>
+          <a:prstGeom prst="rect">
+            <a:avLst/>
+          </a:prstGeom>
+          <a:solidFill>
+            <a:schemeClr val="accent2">
+              <a:lumMod val="75000"/>
+            </a:schemeClr>
+          </a:solidFill>
+        </p:spPr>
+        <p:txBody>
+          <a:bodyPr wrap="square" lIns="36000" tIns="0" rIns="36000" bIns="0" rtlCol="0">
+            <a:spAutoFit/>
+          </a:bodyPr>
+          <a:lstStyle/>
+          <a:p>
+            <a:pPr algn="ctr"/>
+            <a:r>
+              <a:rPr lang="zh-TW" altLang="en-US" sz="1100" b="1" dirty="0" smtClean="0">
+                <a:solidFill>
+                  <a:schemeClr val="bg1"/>
+                </a:solidFill>
+              </a:rPr>
+              <a:t>正確答</a:t>
+            </a:r>
+            <a:r>
+              <a:rPr lang="zh-TW" altLang="en-US" sz="1100" b="1" dirty="0">
+                <a:solidFill>
+                  <a:schemeClr val="bg1"/>
+                </a:solidFill>
+              </a:rPr>
+              <a:t>案</a:t>
+            </a:r>
+            <a:endParaRPr lang="en-US" sz="1100" b="1" dirty="0">
+              <a:solidFill>
+                <a:schemeClr val="bg1"/>
+              </a:solidFill>
+            </a:endParaRPr>
+          </a:p>
+        </p:txBody>
+      </p:sp>
+      <p:sp>
+        <p:nvSpPr>
+          <p:cNvPr id="17" name="Up Arrow 16"/>
+          <p:cNvSpPr/>
+          <p:nvPr/>
+        </p:nvSpPr>
+        <p:spPr>
+          <a:xfrm>
+            <a:off x="760828" y="4262823"/>
+            <a:ext cx="282228" cy="334248"/>
+          </a:xfrm>
+          <a:prstGeom prst="upArrow">
+            <a:avLst>
+              <a:gd name="adj1" fmla="val 44112"/>
+              <a:gd name="adj2" fmla="val 50000"/>
+            </a:avLst>
+          </a:prstGeom>
+          <a:solidFill>
+            <a:schemeClr val="accent2">
+              <a:lumMod val="75000"/>
+            </a:schemeClr>
+          </a:solidFill>
+          <a:ln>
+            <a:solidFill>
+              <a:schemeClr val="accent2">
+                <a:lumMod val="75000"/>
+              </a:schemeClr>
+            </a:solidFill>
+          </a:ln>
+        </p:spPr>
+        <p:style>
+          <a:lnRef idx="2">
+            <a:schemeClr val="accent1">
+              <a:shade val="50000"/>
+            </a:schemeClr>
+          </a:lnRef>
+          <a:fillRef idx="1">
+            <a:schemeClr val="accent1"/>
+          </a:fillRef>
+          <a:effectRef idx="0">
+            <a:schemeClr val="accent1"/>
+          </a:effectRef>
+          <a:fontRef idx="minor">
+            <a:schemeClr val="lt1"/>
+          </a:fontRef>
+        </p:style>
+        <p:txBody>
+          <a:bodyPr rtlCol="0" anchor="ctr"/>
+          <a:lstStyle/>
+          <a:p>
+            <a:pPr algn="ctr"/>
+            <a:endParaRPr lang="en-US"/>
+          </a:p>
+        </p:txBody>
+      </p:sp>
+      <p:sp>
+        <p:nvSpPr>
+          <p:cNvPr id="80" name="TextBox 79"/>
+          <p:cNvSpPr txBox="1"/>
+          <p:nvPr/>
+        </p:nvSpPr>
+        <p:spPr>
+          <a:xfrm>
+            <a:off x="499121" y="2106390"/>
+            <a:ext cx="2069797" cy="253916"/>
+          </a:xfrm>
+          <a:prstGeom prst="rect">
+            <a:avLst/>
+          </a:prstGeom>
+          <a:noFill/>
+        </p:spPr>
+        <p:txBody>
+          <a:bodyPr wrap="none" rtlCol="0">
+            <a:spAutoFit/>
+          </a:bodyPr>
+          <a:lstStyle/>
+          <a:p>
+            <a:r>
+              <a:rPr lang="zh-TW" altLang="en-US" sz="1050" dirty="0" smtClean="0"/>
+              <a:t>題目紅色編號對應到公車板數字</a:t>
+            </a:r>
+            <a:endParaRPr lang="en-US" sz="1050" dirty="0"/>
+          </a:p>
+        </p:txBody>
+      </p:sp>
+      <p:sp>
+        <p:nvSpPr>
+          <p:cNvPr id="81" name="TextBox 80"/>
+          <p:cNvSpPr txBox="1"/>
+          <p:nvPr/>
+        </p:nvSpPr>
+        <p:spPr>
+          <a:xfrm>
+            <a:off x="3287300" y="2104891"/>
+            <a:ext cx="723275" cy="253916"/>
+          </a:xfrm>
+          <a:prstGeom prst="rect">
+            <a:avLst/>
+          </a:prstGeom>
+          <a:noFill/>
+        </p:spPr>
+        <p:txBody>
+          <a:bodyPr wrap="none" rtlCol="0">
+            <a:spAutoFit/>
+          </a:bodyPr>
+          <a:lstStyle/>
+          <a:p>
+            <a:r>
+              <a:rPr lang="zh-TW" altLang="en-US" sz="1050" dirty="0" smtClean="0"/>
+              <a:t>開始答題</a:t>
+            </a:r>
+            <a:endParaRPr lang="en-US" sz="1050" dirty="0"/>
+          </a:p>
+        </p:txBody>
+      </p:sp>
+      <p:sp>
+        <p:nvSpPr>
+          <p:cNvPr id="82" name="TextBox 81"/>
+          <p:cNvSpPr txBox="1"/>
+          <p:nvPr/>
+        </p:nvSpPr>
+        <p:spPr>
+          <a:xfrm>
+            <a:off x="5038817" y="2104891"/>
+            <a:ext cx="723275" cy="253916"/>
+          </a:xfrm>
+          <a:prstGeom prst="rect">
+            <a:avLst/>
+          </a:prstGeom>
+          <a:noFill/>
+        </p:spPr>
+        <p:txBody>
+          <a:bodyPr wrap="none" rtlCol="0">
+            <a:spAutoFit/>
+          </a:bodyPr>
+          <a:lstStyle/>
+          <a:p>
+            <a:r>
+              <a:rPr lang="zh-TW" altLang="en-US" sz="1050" dirty="0" smtClean="0"/>
+              <a:t>答題完畢</a:t>
+            </a:r>
+            <a:endParaRPr lang="en-US" sz="1050" dirty="0"/>
+          </a:p>
+        </p:txBody>
+      </p:sp>
+      <p:sp>
+        <p:nvSpPr>
+          <p:cNvPr id="83" name="TextBox 82"/>
+          <p:cNvSpPr txBox="1"/>
+          <p:nvPr/>
+        </p:nvSpPr>
+        <p:spPr>
+          <a:xfrm>
+            <a:off x="7193363" y="2104891"/>
+            <a:ext cx="723275" cy="253916"/>
+          </a:xfrm>
+          <a:prstGeom prst="rect">
+            <a:avLst/>
+          </a:prstGeom>
+          <a:noFill/>
+        </p:spPr>
+        <p:txBody>
+          <a:bodyPr wrap="none" rtlCol="0">
+            <a:spAutoFit/>
+          </a:bodyPr>
+          <a:lstStyle/>
+          <a:p>
+            <a:r>
+              <a:rPr lang="zh-TW" altLang="en-US" sz="1050" dirty="0" smtClean="0"/>
+              <a:t>解答在此</a:t>
+            </a:r>
+            <a:endParaRPr lang="en-US" sz="1050" dirty="0"/>
+          </a:p>
+        </p:txBody>
+      </p:sp>
+      <p:sp>
+        <p:nvSpPr>
+          <p:cNvPr id="84" name="TextBox 83"/>
+          <p:cNvSpPr txBox="1"/>
+          <p:nvPr/>
+        </p:nvSpPr>
+        <p:spPr>
+          <a:xfrm>
+            <a:off x="9009488" y="2104891"/>
+            <a:ext cx="2877711" cy="253916"/>
+          </a:xfrm>
+          <a:prstGeom prst="rect">
+            <a:avLst/>
+          </a:prstGeom>
+          <a:noFill/>
+        </p:spPr>
+        <p:txBody>
+          <a:bodyPr wrap="none" rtlCol="0">
+            <a:spAutoFit/>
+          </a:bodyPr>
+          <a:lstStyle/>
+          <a:p>
+            <a:r>
+              <a:rPr lang="zh-TW" altLang="en-US" sz="1050" dirty="0" smtClean="0"/>
+              <a:t>將</a:t>
+            </a:r>
+            <a:r>
+              <a:rPr lang="zh-TW" altLang="en-US" sz="1050" dirty="0"/>
+              <a:t>公</a:t>
+            </a:r>
+            <a:r>
+              <a:rPr lang="zh-TW" altLang="en-US" sz="1050" dirty="0" smtClean="0"/>
+              <a:t>車</a:t>
+            </a:r>
+            <a:r>
+              <a:rPr lang="zh-TW" altLang="en-US" sz="1050" dirty="0"/>
+              <a:t>板</a:t>
+            </a:r>
+            <a:r>
+              <a:rPr lang="zh-TW" altLang="en-US" sz="1050" dirty="0" smtClean="0"/>
+              <a:t>翻面，對照背面圖案是否與解答一致</a:t>
+            </a:r>
+            <a:endParaRPr lang="en-US" sz="1050" dirty="0"/>
+          </a:p>
+        </p:txBody>
+      </p:sp>
+      <p:sp>
+        <p:nvSpPr>
+          <p:cNvPr id="85" name="Rectangle 84"/>
+          <p:cNvSpPr/>
+          <p:nvPr/>
+        </p:nvSpPr>
+        <p:spPr>
+          <a:xfrm>
+            <a:off x="10678190" y="3790321"/>
+            <a:ext cx="1209009" cy="404652"/>
+          </a:xfrm>
+          <a:prstGeom prst="rect">
+            <a:avLst/>
+          </a:prstGeom>
+          <a:noFill/>
+          <a:ln w="25400">
+            <a:solidFill>
+              <a:schemeClr val="accent2">
+                <a:lumMod val="75000"/>
+              </a:schemeClr>
+            </a:solidFill>
+          </a:ln>
+        </p:spPr>
+        <p:style>
+          <a:lnRef idx="2">
+            <a:schemeClr val="accent1">
+              <a:shade val="50000"/>
+            </a:schemeClr>
+          </a:lnRef>
+          <a:fillRef idx="1">
+            <a:schemeClr val="accent1"/>
+          </a:fillRef>
+          <a:effectRef idx="0">
+            <a:schemeClr val="accent1"/>
+          </a:effectRef>
+          <a:fontRef idx="minor">
+            <a:schemeClr val="lt1"/>
+          </a:fontRef>
+        </p:style>
+        <p:txBody>
+          <a:bodyPr rtlCol="0" anchor="ctr"/>
+          <a:lstStyle/>
+          <a:p>
+            <a:pPr algn="ctr"/>
+            <a:endParaRPr lang="en-US"/>
+          </a:p>
+        </p:txBody>
+      </p:sp>
+      <p:sp>
+        <p:nvSpPr>
+          <p:cNvPr id="86" name="Rectangle 85"/>
+          <p:cNvSpPr/>
+          <p:nvPr/>
+        </p:nvSpPr>
+        <p:spPr>
+          <a:xfrm>
+            <a:off x="11453835" y="3046019"/>
+            <a:ext cx="433364" cy="186883"/>
+          </a:xfrm>
+          <a:prstGeom prst="rect">
+            <a:avLst/>
+          </a:prstGeom>
+          <a:noFill/>
+          <a:ln w="25400">
+            <a:solidFill>
+              <a:schemeClr val="accent2">
+                <a:lumMod val="75000"/>
+              </a:schemeClr>
+            </a:solidFill>
+          </a:ln>
+        </p:spPr>
+        <p:style>
+          <a:lnRef idx="2">
+            <a:schemeClr val="accent1">
+              <a:shade val="50000"/>
+            </a:schemeClr>
+          </a:lnRef>
+          <a:fillRef idx="1">
+            <a:schemeClr val="accent1"/>
+          </a:fillRef>
+          <a:effectRef idx="0">
+            <a:schemeClr val="accent1"/>
+          </a:effectRef>
+          <a:fontRef idx="minor">
+            <a:schemeClr val="lt1"/>
+          </a:fontRef>
+        </p:style>
+        <p:txBody>
+          <a:bodyPr rtlCol="0" anchor="ctr"/>
+          <a:lstStyle/>
+          <a:p>
+            <a:pPr algn="ctr"/>
+            <a:endParaRPr lang="en-US"/>
+          </a:p>
+        </p:txBody>
+      </p:sp>
+      <p:grpSp>
+        <p:nvGrpSpPr>
+          <p:cNvPr id="7" name="Group 6"/>
+          <p:cNvGrpSpPr/>
+          <p:nvPr/>
+        </p:nvGrpSpPr>
+        <p:grpSpPr>
+          <a:xfrm>
+            <a:off x="-1937203" y="5548019"/>
+            <a:ext cx="14075618" cy="2024739"/>
+            <a:chOff x="-1937204" y="5015674"/>
+            <a:chExt cx="17004115" cy="2445995"/>
+          </a:xfrm>
+        </p:grpSpPr>
+        <p:pic>
+          <p:nvPicPr>
+            <p:cNvPr id="2" name="Picture 1"/>
+            <p:cNvPicPr>
+              <a:picLocks noChangeAspect="1"/>
+            </p:cNvPicPr>
+            <p:nvPr/>
+          </p:nvPicPr>
+          <p:blipFill>
+            <a:blip r:embed="rId4" cstate="print">
+              <a:extLst>
+                <a:ext uri="{28A0092B-C50C-407E-A947-70E740481C1C}">
+                  <a14:useLocalDpi xmlns:a14="http://schemas.microsoft.com/office/drawing/2010/main" val="0"/>
+                </a:ext>
+              </a:extLst>
+            </a:blip>
+            <a:stretch>
+              <a:fillRect/>
+            </a:stretch>
+          </p:blipFill>
+          <p:spPr>
+            <a:xfrm>
+              <a:off x="-1937204" y="5015674"/>
+              <a:ext cx="4258565" cy="2445995"/>
+            </a:xfrm>
+            <a:prstGeom prst="rect">
+              <a:avLst/>
+            </a:prstGeom>
+          </p:spPr>
+        </p:pic>
+        <p:pic>
+          <p:nvPicPr>
+            <p:cNvPr id="3" name="Picture 2"/>
+            <p:cNvPicPr>
+              <a:picLocks noChangeAspect="1"/>
+            </p:cNvPicPr>
+            <p:nvPr/>
+          </p:nvPicPr>
+          <p:blipFill>
+            <a:blip r:embed="rId5" cstate="print">
+              <a:extLst>
+                <a:ext uri="{28A0092B-C50C-407E-A947-70E740481C1C}">
+                  <a14:useLocalDpi xmlns:a14="http://schemas.microsoft.com/office/drawing/2010/main" val="0"/>
+                </a:ext>
+              </a:extLst>
+            </a:blip>
+            <a:stretch>
+              <a:fillRect/>
+            </a:stretch>
+          </p:blipFill>
+          <p:spPr>
+            <a:xfrm>
+              <a:off x="2321361" y="5015674"/>
+              <a:ext cx="4258566" cy="2445995"/>
+            </a:xfrm>
+            <a:prstGeom prst="rect">
+              <a:avLst/>
+            </a:prstGeom>
+          </p:spPr>
+        </p:pic>
+        <p:pic>
+          <p:nvPicPr>
+            <p:cNvPr id="4" name="Picture 3"/>
+            <p:cNvPicPr>
+              <a:picLocks noChangeAspect="1"/>
+            </p:cNvPicPr>
+            <p:nvPr/>
+          </p:nvPicPr>
+          <p:blipFill>
+            <a:blip r:embed="rId6" cstate="print">
+              <a:extLst>
+                <a:ext uri="{28A0092B-C50C-407E-A947-70E740481C1C}">
+                  <a14:useLocalDpi xmlns:a14="http://schemas.microsoft.com/office/drawing/2010/main" val="0"/>
+                </a:ext>
+              </a:extLst>
+            </a:blip>
+            <a:stretch>
+              <a:fillRect/>
+            </a:stretch>
+          </p:blipFill>
+          <p:spPr>
+            <a:xfrm>
+              <a:off x="6572779" y="5018951"/>
+              <a:ext cx="4247151" cy="2439439"/>
+            </a:xfrm>
+            <a:prstGeom prst="rect">
+              <a:avLst/>
+            </a:prstGeom>
+          </p:spPr>
+        </p:pic>
+        <p:pic>
+          <p:nvPicPr>
+            <p:cNvPr id="5" name="Picture 4"/>
+            <p:cNvPicPr>
+              <a:picLocks noChangeAspect="1"/>
+            </p:cNvPicPr>
+            <p:nvPr/>
+          </p:nvPicPr>
+          <p:blipFill>
+            <a:blip r:embed="rId7" cstate="print">
+              <a:extLst>
+                <a:ext uri="{28A0092B-C50C-407E-A947-70E740481C1C}">
+                  <a14:useLocalDpi xmlns:a14="http://schemas.microsoft.com/office/drawing/2010/main" val="0"/>
+                </a:ext>
+              </a:extLst>
+            </a:blip>
+            <a:stretch>
+              <a:fillRect/>
+            </a:stretch>
+          </p:blipFill>
+          <p:spPr>
+            <a:xfrm>
+              <a:off x="10814054" y="5015674"/>
+              <a:ext cx="4252857" cy="2442716"/>
+            </a:xfrm>
+            <a:prstGeom prst="rect">
+              <a:avLst/>
+            </a:prstGeom>
+          </p:spPr>
+        </p:pic>
+      </p:grpSp>
+    </p:spTree>
+    <p:extLst>
+      <p:ext uri="{BB962C8B-B14F-4D97-AF65-F5344CB8AC3E}">
+        <p14:creationId xmlns:p14="http://schemas.microsoft.com/office/powerpoint/2010/main" val="140949045"/>
       </p:ext>
     </p:extLst>
   </p:cSld>
